--- a/MongoDB.pptx
+++ b/MongoDB.pptx
@@ -6365,7 +6365,7 @@
         <p:spPr>
           <a:xfrm>
             <a:off x="9144000" y="2737788"/>
-            <a:ext cx="9127922" cy="2123658"/>
+            <a:ext cx="9127922" cy="4154984"/>
           </a:xfrm>
           <a:prstGeom prst="rect">
             <a:avLst/>
@@ -6383,7 +6383,7 @@
               <a:buChar char="•"/>
             </a:pPr>
             <a:r>
-              <a:rPr lang="en-US" sz="4400" dirty="0">
+              <a:rPr lang="en-US" sz="8800" dirty="0">
                 <a:solidFill>
                   <a:schemeClr val="bg1"/>
                 </a:solidFill>
@@ -6397,7 +6397,7 @@
               <a:buChar char="•"/>
             </a:pPr>
             <a:r>
-              <a:rPr lang="en-US" sz="4400" dirty="0">
+              <a:rPr lang="en-US" sz="8800" dirty="0">
                 <a:solidFill>
                   <a:schemeClr val="bg1"/>
                 </a:solidFill>
@@ -6411,7 +6411,7 @@
               <a:buChar char="•"/>
             </a:pPr>
             <a:r>
-              <a:rPr lang="en-US" sz="4400" dirty="0">
+              <a:rPr lang="en-US" sz="8800" dirty="0">
                 <a:solidFill>
                   <a:schemeClr val="bg1"/>
                 </a:solidFill>
@@ -8104,6 +8104,51 @@
                                           </p:stCondLst>
                                         </p:cTn>
                                         <p:tgtEl>
+                                          <p:spTgt spid="31"/>
+                                        </p:tgtEl>
+                                        <p:attrNameLst>
+                                          <p:attrName>style.visibility</p:attrName>
+                                        </p:attrNameLst>
+                                      </p:cBhvr>
+                                      <p:to>
+                                        <p:strVal val="visible"/>
+                                      </p:to>
+                                    </p:set>
+                                  </p:childTnLst>
+                                </p:cTn>
+                              </p:par>
+                            </p:childTnLst>
+                          </p:cTn>
+                        </p:par>
+                      </p:childTnLst>
+                    </p:cTn>
+                  </p:par>
+                  <p:par>
+                    <p:cTn id="7" fill="hold">
+                      <p:stCondLst>
+                        <p:cond delay="indefinite"/>
+                      </p:stCondLst>
+                      <p:childTnLst>
+                        <p:par>
+                          <p:cTn id="8" fill="hold">
+                            <p:stCondLst>
+                              <p:cond delay="0"/>
+                            </p:stCondLst>
+                            <p:childTnLst>
+                              <p:par>
+                                <p:cTn id="9" presetID="1" presetClass="entr" presetSubtype="0" fill="hold" grpId="0" nodeType="clickEffect">
+                                  <p:stCondLst>
+                                    <p:cond delay="0"/>
+                                  </p:stCondLst>
+                                  <p:childTnLst>
+                                    <p:set>
+                                      <p:cBhvr>
+                                        <p:cTn id="10" dur="1" fill="hold">
+                                          <p:stCondLst>
+                                            <p:cond delay="0"/>
+                                          </p:stCondLst>
+                                        </p:cTn>
+                                        <p:tgtEl>
                                           <p:spTgt spid="16"/>
                                         </p:tgtEl>
                                         <p:attrNameLst>
@@ -8146,6 +8191,7 @@
     </p:tnLst>
     <p:bldLst>
       <p:bldP spid="16" grpId="0" animBg="1"/>
+      <p:bldP spid="31" grpId="0"/>
     </p:bldLst>
   </p:timing>
 </p:sld>
@@ -8537,6 +8583,14 @@
               <a:buChar char="•"/>
             </a:pPr>
             <a:r>
+              <a:rPr lang="en-US" sz="4400" dirty="0">
+                <a:solidFill>
+                  <a:schemeClr val="bg1"/>
+                </a:solidFill>
+              </a:rPr>
+              <a:t>_id: </a:t>
+            </a:r>
+            <a:r>
               <a:rPr lang="en-US" sz="4400" dirty="0" err="1">
                 <a:solidFill>
                   <a:schemeClr val="bg1"/>
@@ -8544,11 +8598,14 @@
               </a:rPr>
               <a:t>ObjectId</a:t>
             </a:r>
-            <a:endParaRPr lang="en-US" sz="4400" dirty="0">
-              <a:solidFill>
-                <a:schemeClr val="bg1"/>
-              </a:solidFill>
-            </a:endParaRPr>
+            <a:r>
+              <a:rPr lang="en-US" sz="4400" dirty="0">
+                <a:solidFill>
+                  <a:schemeClr val="bg1"/>
+                </a:solidFill>
+              </a:rPr>
+              <a:t>()</a:t>
+            </a:r>
           </a:p>
           <a:p>
             <a:pPr marL="1028700" lvl="1" indent="-571500">
